--- a/STACK.pptx
+++ b/STACK.pptx
@@ -104,6 +104,11 @@
       </a:defRPr>
     </a:lvl9pPr>
   </p:defaultTextStyle>
+  <p:extLst>
+    <p:ext uri="{EFAFB233-063F-42B5-8137-9DF3F51BA10A}">
+      <p15:sldGuideLst xmlns:p15="http://schemas.microsoft.com/office/powerpoint/2012/main"/>
+    </p:ext>
+  </p:extLst>
 </p:presentation>
 </file>
 
@@ -238,7 +243,7 @@
           <a:p>
             <a:fld id="{A8CC89F7-5179-8044-890D-4FB38D9853DE}" type="datetimeFigureOut">
               <a:rPr lang="en-US" smtClean="0"/>
-              <a:t>2/13/18</a:t>
+              <a:t>2/13/2018</a:t>
             </a:fld>
             <a:endParaRPr lang="en-US"/>
           </a:p>
@@ -408,7 +413,7 @@
           <a:p>
             <a:fld id="{A8CC89F7-5179-8044-890D-4FB38D9853DE}" type="datetimeFigureOut">
               <a:rPr lang="en-US" smtClean="0"/>
-              <a:t>2/13/18</a:t>
+              <a:t>2/13/2018</a:t>
             </a:fld>
             <a:endParaRPr lang="en-US"/>
           </a:p>
@@ -588,7 +593,7 @@
           <a:p>
             <a:fld id="{A8CC89F7-5179-8044-890D-4FB38D9853DE}" type="datetimeFigureOut">
               <a:rPr lang="en-US" smtClean="0"/>
-              <a:t>2/13/18</a:t>
+              <a:t>2/13/2018</a:t>
             </a:fld>
             <a:endParaRPr lang="en-US"/>
           </a:p>
@@ -758,7 +763,7 @@
           <a:p>
             <a:fld id="{A8CC89F7-5179-8044-890D-4FB38D9853DE}" type="datetimeFigureOut">
               <a:rPr lang="en-US" smtClean="0"/>
-              <a:t>2/13/18</a:t>
+              <a:t>2/13/2018</a:t>
             </a:fld>
             <a:endParaRPr lang="en-US"/>
           </a:p>
@@ -1004,7 +1009,7 @@
           <a:p>
             <a:fld id="{A8CC89F7-5179-8044-890D-4FB38D9853DE}" type="datetimeFigureOut">
               <a:rPr lang="en-US" smtClean="0"/>
-              <a:t>2/13/18</a:t>
+              <a:t>2/13/2018</a:t>
             </a:fld>
             <a:endParaRPr lang="en-US"/>
           </a:p>
@@ -1236,7 +1241,7 @@
           <a:p>
             <a:fld id="{A8CC89F7-5179-8044-890D-4FB38D9853DE}" type="datetimeFigureOut">
               <a:rPr lang="en-US" smtClean="0"/>
-              <a:t>2/13/18</a:t>
+              <a:t>2/13/2018</a:t>
             </a:fld>
             <a:endParaRPr lang="en-US"/>
           </a:p>
@@ -1603,7 +1608,7 @@
           <a:p>
             <a:fld id="{A8CC89F7-5179-8044-890D-4FB38D9853DE}" type="datetimeFigureOut">
               <a:rPr lang="en-US" smtClean="0"/>
-              <a:t>2/13/18</a:t>
+              <a:t>2/13/2018</a:t>
             </a:fld>
             <a:endParaRPr lang="en-US"/>
           </a:p>
@@ -1721,7 +1726,7 @@
           <a:p>
             <a:fld id="{A8CC89F7-5179-8044-890D-4FB38D9853DE}" type="datetimeFigureOut">
               <a:rPr lang="en-US" smtClean="0"/>
-              <a:t>2/13/18</a:t>
+              <a:t>2/13/2018</a:t>
             </a:fld>
             <a:endParaRPr lang="en-US"/>
           </a:p>
@@ -1816,7 +1821,7 @@
           <a:p>
             <a:fld id="{A8CC89F7-5179-8044-890D-4FB38D9853DE}" type="datetimeFigureOut">
               <a:rPr lang="en-US" smtClean="0"/>
-              <a:t>2/13/18</a:t>
+              <a:t>2/13/2018</a:t>
             </a:fld>
             <a:endParaRPr lang="en-US"/>
           </a:p>
@@ -2093,7 +2098,7 @@
           <a:p>
             <a:fld id="{A8CC89F7-5179-8044-890D-4FB38D9853DE}" type="datetimeFigureOut">
               <a:rPr lang="en-US" smtClean="0"/>
-              <a:t>2/13/18</a:t>
+              <a:t>2/13/2018</a:t>
             </a:fld>
             <a:endParaRPr lang="en-US"/>
           </a:p>
@@ -2346,7 +2351,7 @@
           <a:p>
             <a:fld id="{A8CC89F7-5179-8044-890D-4FB38D9853DE}" type="datetimeFigureOut">
               <a:rPr lang="en-US" smtClean="0"/>
-              <a:t>2/13/18</a:t>
+              <a:t>2/13/2018</a:t>
             </a:fld>
             <a:endParaRPr lang="en-US"/>
           </a:p>
@@ -2559,7 +2564,7 @@
           <a:p>
             <a:fld id="{A8CC89F7-5179-8044-890D-4FB38D9853DE}" type="datetimeFigureOut">
               <a:rPr lang="en-US" smtClean="0"/>
-              <a:t>2/13/18</a:t>
+              <a:t>2/13/2018</a:t>
             </a:fld>
             <a:endParaRPr lang="en-US"/>
           </a:p>
@@ -2972,7 +2977,7 @@
         </p:nvGrpSpPr>
         <p:grpSpPr>
           <a:xfrm>
-            <a:off x="2035525" y="719666"/>
+            <a:off x="702484" y="719666"/>
             <a:ext cx="8124474" cy="5418667"/>
             <a:chOff x="2035525" y="719666"/>
             <a:chExt cx="8124474" cy="5418667"/>
@@ -3505,8 +3510,8 @@
           </p:nvSpPr>
           <p:spPr>
             <a:xfrm>
-              <a:off x="2462969" y="3240541"/>
-              <a:ext cx="1620000" cy="329406"/>
+              <a:off x="2277773" y="3240541"/>
+              <a:ext cx="1808041" cy="525222"/>
             </a:xfrm>
             <a:custGeom>
               <a:avLst/>
@@ -3650,7 +3655,7 @@
                 </a:spcAft>
               </a:pPr>
               <a:r>
-                <a:rPr lang="en-US" sz="800" kern="1200" dirty="0" smtClean="0"/>
+                <a:rPr lang="en-US" sz="1050" kern="1200" dirty="0" smtClean="0"/>
                 <a:t>Application</a:t>
               </a:r>
             </a:p>
@@ -3667,10 +3672,10 @@
                 </a:spcAft>
               </a:pPr>
               <a:r>
-                <a:rPr lang="en-US" sz="800" kern="1200" dirty="0" smtClean="0"/>
+                <a:rPr lang="en-US" sz="1050" kern="1200" dirty="0" smtClean="0"/>
                 <a:t>(JQUERY/AJAX)</a:t>
               </a:r>
-              <a:endParaRPr lang="en-US" sz="800" kern="1200" dirty="0"/>
+              <a:endParaRPr lang="en-US" sz="1050" kern="1200" dirty="0"/>
             </a:p>
           </p:txBody>
         </p:sp>
@@ -4165,10 +4170,10 @@
                 </a:spcAft>
               </a:pPr>
               <a:r>
-                <a:rPr lang="en-US" sz="800" kern="1200" dirty="0" smtClean="0"/>
+                <a:rPr lang="en-US" sz="1000" kern="1200" dirty="0" smtClean="0"/>
                 <a:t>DAO</a:t>
               </a:r>
-              <a:endParaRPr lang="en-US" sz="800" kern="1200" dirty="0"/>
+              <a:endParaRPr lang="en-US" sz="1000" kern="1200" dirty="0"/>
             </a:p>
           </p:txBody>
         </p:sp>
@@ -4415,10 +4420,10 @@
                 </a:spcAft>
               </a:pPr>
               <a:r>
-                <a:rPr lang="en-US" sz="800" kern="1200" dirty="0" smtClean="0"/>
+                <a:rPr lang="en-US" sz="1000" kern="1200" dirty="0" smtClean="0"/>
                 <a:t>JPA</a:t>
               </a:r>
-              <a:endParaRPr lang="en-US" sz="800" kern="1200" dirty="0"/>
+              <a:endParaRPr lang="en-US" sz="1000" kern="1200" dirty="0"/>
             </a:p>
           </p:txBody>
         </p:sp>
@@ -4665,10 +4670,10 @@
                 </a:spcAft>
               </a:pPr>
               <a:r>
-                <a:rPr lang="en-US" sz="800" kern="1200" dirty="0" smtClean="0"/>
+                <a:rPr lang="en-US" sz="1000" kern="1200" dirty="0" smtClean="0"/>
                 <a:t>Hibernate</a:t>
               </a:r>
-              <a:endParaRPr lang="en-US" sz="800" kern="1200" dirty="0"/>
+              <a:endParaRPr lang="en-US" sz="1000" kern="1200" dirty="0"/>
             </a:p>
           </p:txBody>
         </p:sp>
@@ -4915,10 +4920,10 @@
                 </a:spcAft>
               </a:pPr>
               <a:r>
-                <a:rPr lang="en-US" sz="800" kern="1200" dirty="0" smtClean="0"/>
+                <a:rPr lang="en-US" sz="1000" kern="1200" dirty="0" smtClean="0"/>
                 <a:t>JDBC</a:t>
               </a:r>
-              <a:endParaRPr lang="en-US" sz="800" kern="1200" dirty="0"/>
+              <a:endParaRPr lang="en-US" sz="1000" kern="1200" dirty="0"/>
             </a:p>
           </p:txBody>
         </p:sp>
@@ -5165,10 +5170,10 @@
                 </a:spcAft>
               </a:pPr>
               <a:r>
-                <a:rPr lang="en-US" sz="800" kern="1200" smtClean="0"/>
+                <a:rPr lang="en-US" sz="1000" kern="1200" dirty="0" smtClean="0"/>
                 <a:t>Driver</a:t>
               </a:r>
-              <a:endParaRPr lang="en-US" sz="800" kern="1200" dirty="0"/>
+              <a:endParaRPr lang="en-US" sz="1000" kern="1200" dirty="0"/>
             </a:p>
           </p:txBody>
         </p:sp>
@@ -5500,10 +5505,10 @@
                 </a:spcAft>
               </a:pPr>
               <a:r>
-                <a:rPr lang="en-US" sz="800" kern="1200" dirty="0" smtClean="0"/>
+                <a:rPr lang="en-US" sz="1000" kern="1200" dirty="0" smtClean="0"/>
                 <a:t>DB</a:t>
               </a:r>
-              <a:endParaRPr lang="en-US" sz="800" kern="1200" dirty="0"/>
+              <a:endParaRPr lang="en-US" sz="1000" kern="1200" dirty="0"/>
             </a:p>
           </p:txBody>
         </p:sp>
@@ -5759,10 +5764,10 @@
                 </a:spcAft>
               </a:pPr>
               <a:r>
-                <a:rPr lang="en-US" sz="800" kern="1200" dirty="0" smtClean="0"/>
+                <a:rPr lang="en-US" sz="1000" kern="1200" dirty="0" smtClean="0"/>
                 <a:t>Root Resource</a:t>
               </a:r>
-              <a:endParaRPr lang="en-US" sz="800" kern="1200" dirty="0"/>
+              <a:endParaRPr lang="en-US" sz="1000" kern="1200" dirty="0"/>
             </a:p>
           </p:txBody>
         </p:sp>
@@ -6018,7 +6023,7 @@
                 </a:spcAft>
               </a:pPr>
               <a:r>
-                <a:rPr lang="en-US" sz="800" kern="1200" dirty="0" smtClean="0"/>
+                <a:rPr lang="en-US" sz="1000" kern="1200" dirty="0" smtClean="0"/>
                 <a:t>Servlet</a:t>
               </a:r>
             </a:p>
@@ -6279,10 +6284,10 @@
                 </a:spcAft>
               </a:pPr>
               <a:r>
-                <a:rPr lang="en-US" sz="800" kern="1200" dirty="0" err="1" smtClean="0"/>
+                <a:rPr lang="en-US" sz="1000" kern="1200" dirty="0" err="1" smtClean="0"/>
                 <a:t>Webapp</a:t>
               </a:r>
-              <a:endParaRPr lang="en-US" sz="800" kern="1200" dirty="0"/>
+              <a:endParaRPr lang="en-US" sz="1000" kern="1200" dirty="0"/>
             </a:p>
           </p:txBody>
         </p:sp>
@@ -6527,10 +6532,10 @@
                 </a:spcAft>
               </a:pPr>
               <a:r>
-                <a:rPr lang="en-US" sz="800" kern="1200" dirty="0" smtClean="0"/>
+                <a:rPr lang="en-US" sz="1000" kern="1200" dirty="0" smtClean="0"/>
                 <a:t>Tomcat</a:t>
               </a:r>
-              <a:endParaRPr lang="en-US" sz="800" kern="1200" dirty="0"/>
+              <a:endParaRPr lang="en-US" sz="1000" kern="1200" dirty="0"/>
             </a:p>
           </p:txBody>
         </p:sp>
@@ -6777,10 +6782,10 @@
                 </a:spcAft>
               </a:pPr>
               <a:r>
-                <a:rPr lang="en-US" sz="800" kern="1200" dirty="0" smtClean="0"/>
+                <a:rPr lang="en-US" sz="1000" kern="1200" dirty="0" smtClean="0"/>
                 <a:t>JVM</a:t>
               </a:r>
-              <a:endParaRPr lang="en-US" sz="800" kern="1200" dirty="0"/>
+              <a:endParaRPr lang="en-US" sz="1000" kern="1200" dirty="0"/>
             </a:p>
           </p:txBody>
         </p:sp>
@@ -7025,10 +7030,10 @@
                 </a:spcAft>
               </a:pPr>
               <a:r>
-                <a:rPr lang="en-US" sz="800" kern="1200" dirty="0" smtClean="0"/>
+                <a:rPr lang="en-US" sz="1000" kern="1200" dirty="0" smtClean="0"/>
                 <a:t>Platform</a:t>
               </a:r>
-              <a:endParaRPr lang="en-US" sz="800" kern="1200" dirty="0"/>
+              <a:endParaRPr lang="en-US" sz="1000" kern="1200" dirty="0"/>
             </a:p>
           </p:txBody>
         </p:sp>
@@ -7041,7 +7046,7 @@
         </p:nvCxnSpPr>
         <p:spPr>
           <a:xfrm flipV="1">
-            <a:off x="6890327" y="1995055"/>
+            <a:off x="5557286" y="1995055"/>
             <a:ext cx="1173018" cy="9236"/>
           </a:xfrm>
           <a:prstGeom prst="line">
@@ -7071,7 +7076,7 @@
         </p:nvCxnSpPr>
         <p:spPr>
           <a:xfrm flipV="1">
-            <a:off x="6086763" y="5144655"/>
+            <a:off x="4753722" y="5144655"/>
             <a:ext cx="0" cy="341746"/>
           </a:xfrm>
           <a:prstGeom prst="line">
@@ -7101,7 +7106,7 @@
         </p:nvCxnSpPr>
         <p:spPr>
           <a:xfrm flipV="1">
-            <a:off x="6086763" y="4498109"/>
+            <a:off x="4753722" y="4498109"/>
             <a:ext cx="0" cy="364837"/>
           </a:xfrm>
           <a:prstGeom prst="line">
@@ -7131,7 +7136,7 @@
         </p:nvCxnSpPr>
         <p:spPr>
           <a:xfrm flipV="1">
-            <a:off x="6086763" y="3906981"/>
+            <a:off x="4753722" y="3906981"/>
             <a:ext cx="0" cy="314037"/>
           </a:xfrm>
           <a:prstGeom prst="line">
@@ -7161,7 +7166,7 @@
         </p:nvCxnSpPr>
         <p:spPr>
           <a:xfrm flipV="1">
-            <a:off x="6086763" y="3288001"/>
+            <a:off x="4753722" y="3288001"/>
             <a:ext cx="0" cy="314037"/>
           </a:xfrm>
           <a:prstGeom prst="line">
@@ -7191,7 +7196,7 @@
         </p:nvCxnSpPr>
         <p:spPr>
           <a:xfrm flipV="1">
-            <a:off x="6086763" y="2715490"/>
+            <a:off x="4753722" y="2715490"/>
             <a:ext cx="0" cy="314037"/>
           </a:xfrm>
           <a:prstGeom prst="line">
@@ -7221,7 +7226,7 @@
         </p:nvCxnSpPr>
         <p:spPr>
           <a:xfrm flipV="1">
-            <a:off x="6086763" y="2156690"/>
+            <a:off x="4753722" y="2156690"/>
             <a:ext cx="0" cy="314037"/>
           </a:xfrm>
           <a:prstGeom prst="line">
@@ -7251,7 +7256,7 @@
         </p:nvCxnSpPr>
         <p:spPr>
           <a:xfrm flipV="1">
-            <a:off x="8834581" y="2156690"/>
+            <a:off x="7501540" y="2156690"/>
             <a:ext cx="0" cy="314037"/>
           </a:xfrm>
           <a:prstGeom prst="line">
@@ -7281,7 +7286,7 @@
         </p:nvCxnSpPr>
         <p:spPr>
           <a:xfrm flipV="1">
-            <a:off x="8825344" y="2789378"/>
+            <a:off x="7492303" y="2789378"/>
             <a:ext cx="0" cy="314037"/>
           </a:xfrm>
           <a:prstGeom prst="line">
@@ -7311,7 +7316,7 @@
         </p:nvCxnSpPr>
         <p:spPr>
           <a:xfrm flipV="1">
-            <a:off x="8825343" y="3428999"/>
+            <a:off x="7492302" y="3428999"/>
             <a:ext cx="0" cy="314037"/>
           </a:xfrm>
           <a:prstGeom prst="line">
@@ -7341,7 +7346,7 @@
         </p:nvCxnSpPr>
         <p:spPr>
           <a:xfrm flipV="1">
-            <a:off x="8834581" y="4063999"/>
+            <a:off x="7501540" y="4063999"/>
             <a:ext cx="0" cy="279400"/>
           </a:xfrm>
           <a:prstGeom prst="line">
@@ -7371,7 +7376,7 @@
         </p:nvCxnSpPr>
         <p:spPr>
           <a:xfrm flipV="1">
-            <a:off x="8825342" y="4680527"/>
+            <a:off x="7492301" y="4680527"/>
             <a:ext cx="0" cy="314037"/>
           </a:xfrm>
           <a:prstGeom prst="line">
@@ -7393,6 +7398,362 @@
           </a:fontRef>
         </p:style>
       </p:cxnSp>
+      <p:sp>
+        <p:nvSpPr>
+          <p:cNvPr id="2" name="Rounded Rectangle 1"/>
+          <p:cNvSpPr/>
+          <p:nvPr/>
+        </p:nvSpPr>
+        <p:spPr>
+          <a:xfrm>
+            <a:off x="9474506" y="719666"/>
+            <a:ext cx="2181340" cy="5418667"/>
+          </a:xfrm>
+          <a:prstGeom prst="roundRect">
+            <a:avLst/>
+          </a:prstGeom>
+          <a:solidFill>
+            <a:schemeClr val="accent1">
+              <a:alpha val="50000"/>
+            </a:schemeClr>
+          </a:solidFill>
+        </p:spPr>
+        <p:style>
+          <a:lnRef idx="2">
+            <a:schemeClr val="accent1">
+              <a:shade val="50000"/>
+            </a:schemeClr>
+          </a:lnRef>
+          <a:fillRef idx="1">
+            <a:schemeClr val="accent1"/>
+          </a:fillRef>
+          <a:effectRef idx="0">
+            <a:schemeClr val="accent1"/>
+          </a:effectRef>
+          <a:fontRef idx="minor">
+            <a:schemeClr val="lt1"/>
+          </a:fontRef>
+        </p:style>
+        <p:txBody>
+          <a:bodyPr rtlCol="0" anchor="ctr"/>
+          <a:lstStyle/>
+          <a:p>
+            <a:pPr algn="ctr"/>
+            <a:endParaRPr lang="en-US" dirty="0"/>
+          </a:p>
+        </p:txBody>
+      </p:sp>
+      <p:sp>
+        <p:nvSpPr>
+          <p:cNvPr id="3" name="TextBox 2"/>
+          <p:cNvSpPr txBox="1"/>
+          <p:nvPr/>
+        </p:nvSpPr>
+        <p:spPr>
+          <a:xfrm>
+            <a:off x="9467520" y="1030147"/>
+            <a:ext cx="2235356" cy="338554"/>
+          </a:xfrm>
+          <a:prstGeom prst="rect">
+            <a:avLst/>
+          </a:prstGeom>
+          <a:noFill/>
+        </p:spPr>
+        <p:txBody>
+          <a:bodyPr wrap="none" rtlCol="0">
+            <a:spAutoFit/>
+          </a:bodyPr>
+          <a:lstStyle/>
+          <a:p>
+            <a:r>
+              <a:rPr lang="en-US" sz="1600" dirty="0" smtClean="0"/>
+              <a:t>Testing Technology Stack</a:t>
+            </a:r>
+            <a:endParaRPr lang="en-US" sz="1600" dirty="0"/>
+          </a:p>
+        </p:txBody>
+      </p:sp>
+      <p:sp>
+        <p:nvSpPr>
+          <p:cNvPr id="4" name="Rectangle 3"/>
+          <p:cNvSpPr/>
+          <p:nvPr/>
+        </p:nvSpPr>
+        <p:spPr>
+          <a:xfrm>
+            <a:off x="9631768" y="1504709"/>
+            <a:ext cx="1873467" cy="4256656"/>
+          </a:xfrm>
+          <a:prstGeom prst="rect">
+            <a:avLst/>
+          </a:prstGeom>
+          <a:solidFill>
+            <a:schemeClr val="accent1">
+              <a:alpha val="72000"/>
+            </a:schemeClr>
+          </a:solidFill>
+        </p:spPr>
+        <p:style>
+          <a:lnRef idx="2">
+            <a:schemeClr val="accent1">
+              <a:shade val="50000"/>
+            </a:schemeClr>
+          </a:lnRef>
+          <a:fillRef idx="1">
+            <a:schemeClr val="accent1"/>
+          </a:fillRef>
+          <a:effectRef idx="0">
+            <a:schemeClr val="accent1"/>
+          </a:effectRef>
+          <a:fontRef idx="minor">
+            <a:schemeClr val="lt1"/>
+          </a:fontRef>
+        </p:style>
+        <p:txBody>
+          <a:bodyPr rtlCol="0" anchor="ctr"/>
+          <a:lstStyle/>
+          <a:p>
+            <a:pPr algn="ctr"/>
+            <a:endParaRPr lang="en-US"/>
+          </a:p>
+        </p:txBody>
+      </p:sp>
+      <p:sp>
+        <p:nvSpPr>
+          <p:cNvPr id="60" name="TextBox 59"/>
+          <p:cNvSpPr txBox="1"/>
+          <p:nvPr/>
+        </p:nvSpPr>
+        <p:spPr>
+          <a:xfrm>
+            <a:off x="9912627" y="1664286"/>
+            <a:ext cx="1177823" cy="338554"/>
+          </a:xfrm>
+          <a:prstGeom prst="rect">
+            <a:avLst/>
+          </a:prstGeom>
+          <a:noFill/>
+        </p:spPr>
+        <p:txBody>
+          <a:bodyPr wrap="none" rtlCol="0">
+            <a:spAutoFit/>
+          </a:bodyPr>
+          <a:lstStyle/>
+          <a:p>
+            <a:r>
+              <a:rPr lang="en-US" sz="1600" dirty="0" smtClean="0"/>
+              <a:t>Automation</a:t>
+            </a:r>
+            <a:endParaRPr lang="en-US" sz="1600" dirty="0"/>
+          </a:p>
+        </p:txBody>
+      </p:sp>
+      <p:sp>
+        <p:nvSpPr>
+          <p:cNvPr id="5" name="Rectangle 4"/>
+          <p:cNvSpPr/>
+          <p:nvPr/>
+        </p:nvSpPr>
+        <p:spPr>
+          <a:xfrm>
+            <a:off x="9820027" y="2313708"/>
+            <a:ext cx="1476862" cy="1096875"/>
+          </a:xfrm>
+          <a:prstGeom prst="rect">
+            <a:avLst/>
+          </a:prstGeom>
+        </p:spPr>
+        <p:style>
+          <a:lnRef idx="2">
+            <a:schemeClr val="accent1">
+              <a:shade val="50000"/>
+            </a:schemeClr>
+          </a:lnRef>
+          <a:fillRef idx="1">
+            <a:schemeClr val="accent1"/>
+          </a:fillRef>
+          <a:effectRef idx="0">
+            <a:schemeClr val="accent1"/>
+          </a:effectRef>
+          <a:fontRef idx="minor">
+            <a:schemeClr val="lt1"/>
+          </a:fontRef>
+        </p:style>
+        <p:txBody>
+          <a:bodyPr rtlCol="0" anchor="ctr"/>
+          <a:lstStyle/>
+          <a:p>
+            <a:pPr algn="ctr"/>
+            <a:endParaRPr lang="en-US"/>
+          </a:p>
+        </p:txBody>
+      </p:sp>
+      <p:sp>
+        <p:nvSpPr>
+          <p:cNvPr id="61" name="TextBox 60"/>
+          <p:cNvSpPr txBox="1"/>
+          <p:nvPr/>
+        </p:nvSpPr>
+        <p:spPr>
+          <a:xfrm>
+            <a:off x="9820027" y="2545888"/>
+            <a:ext cx="1558819" cy="646331"/>
+          </a:xfrm>
+          <a:prstGeom prst="rect">
+            <a:avLst/>
+          </a:prstGeom>
+          <a:noFill/>
+        </p:spPr>
+        <p:txBody>
+          <a:bodyPr wrap="square" rtlCol="0">
+            <a:spAutoFit/>
+          </a:bodyPr>
+          <a:lstStyle/>
+          <a:p>
+            <a:pPr algn="ctr"/>
+            <a:r>
+              <a:rPr lang="en-US" sz="1200" b="1" dirty="0" smtClean="0"/>
+              <a:t>REST API Automation</a:t>
+            </a:r>
+            <a:r>
+              <a:rPr lang="en-US" sz="1200" b="1" dirty="0" smtClean="0">
+                <a:solidFill>
+                  <a:srgbClr val="C00000"/>
+                </a:solidFill>
+              </a:rPr>
+              <a:t> </a:t>
+            </a:r>
+            <a:r>
+              <a:rPr lang="en-US" sz="1200" i="1" dirty="0" smtClean="0">
+                <a:solidFill>
+                  <a:schemeClr val="bg1"/>
+                </a:solidFill>
+              </a:rPr>
+              <a:t>(</a:t>
+            </a:r>
+            <a:r>
+              <a:rPr lang="en-US" sz="1200" i="1" dirty="0" err="1" smtClean="0">
+                <a:solidFill>
+                  <a:schemeClr val="bg1"/>
+                </a:solidFill>
+              </a:rPr>
+              <a:t>TestNG</a:t>
+            </a:r>
+            <a:r>
+              <a:rPr lang="en-US" sz="1200" i="1" dirty="0" smtClean="0">
+                <a:solidFill>
+                  <a:schemeClr val="bg1"/>
+                </a:solidFill>
+              </a:rPr>
+              <a:t> and </a:t>
+            </a:r>
+            <a:r>
+              <a:rPr lang="en-US" sz="1200" i="1" dirty="0" err="1" smtClean="0">
+                <a:solidFill>
+                  <a:schemeClr val="bg1"/>
+                </a:solidFill>
+              </a:rPr>
+              <a:t>RESTAssured</a:t>
+            </a:r>
+            <a:r>
+              <a:rPr lang="en-US" sz="1200" i="1" dirty="0" smtClean="0">
+                <a:solidFill>
+                  <a:schemeClr val="bg1"/>
+                </a:solidFill>
+              </a:rPr>
+              <a:t>)</a:t>
+            </a:r>
+            <a:endParaRPr lang="en-US" sz="1200" i="1" dirty="0">
+              <a:solidFill>
+                <a:schemeClr val="bg1"/>
+              </a:solidFill>
+            </a:endParaRPr>
+          </a:p>
+        </p:txBody>
+      </p:sp>
+      <p:sp>
+        <p:nvSpPr>
+          <p:cNvPr id="62" name="Rectangle 61"/>
+          <p:cNvSpPr/>
+          <p:nvPr/>
+        </p:nvSpPr>
+        <p:spPr>
+          <a:xfrm>
+            <a:off x="9821952" y="3704603"/>
+            <a:ext cx="1476862" cy="1096875"/>
+          </a:xfrm>
+          <a:prstGeom prst="rect">
+            <a:avLst/>
+          </a:prstGeom>
+        </p:spPr>
+        <p:style>
+          <a:lnRef idx="2">
+            <a:schemeClr val="accent1">
+              <a:shade val="50000"/>
+            </a:schemeClr>
+          </a:lnRef>
+          <a:fillRef idx="1">
+            <a:schemeClr val="accent1"/>
+          </a:fillRef>
+          <a:effectRef idx="0">
+            <a:schemeClr val="accent1"/>
+          </a:effectRef>
+          <a:fontRef idx="minor">
+            <a:schemeClr val="lt1"/>
+          </a:fontRef>
+        </p:style>
+        <p:txBody>
+          <a:bodyPr rtlCol="0" anchor="ctr"/>
+          <a:lstStyle/>
+          <a:p>
+            <a:pPr algn="ctr"/>
+            <a:endParaRPr lang="en-US"/>
+          </a:p>
+        </p:txBody>
+      </p:sp>
+      <p:sp>
+        <p:nvSpPr>
+          <p:cNvPr id="63" name="TextBox 62"/>
+          <p:cNvSpPr txBox="1"/>
+          <p:nvPr/>
+        </p:nvSpPr>
+        <p:spPr>
+          <a:xfrm>
+            <a:off x="9844168" y="3922794"/>
+            <a:ext cx="1558819" cy="461665"/>
+          </a:xfrm>
+          <a:prstGeom prst="rect">
+            <a:avLst/>
+          </a:prstGeom>
+          <a:noFill/>
+        </p:spPr>
+        <p:txBody>
+          <a:bodyPr wrap="square" rtlCol="0">
+            <a:spAutoFit/>
+          </a:bodyPr>
+          <a:lstStyle/>
+          <a:p>
+            <a:pPr algn="ctr"/>
+            <a:r>
+              <a:rPr lang="en-US" sz="1200" b="1" dirty="0" smtClean="0"/>
+              <a:t>GUI Automation  </a:t>
+            </a:r>
+            <a:r>
+              <a:rPr lang="en-US" sz="1200" i="1" dirty="0" smtClean="0">
+                <a:solidFill>
+                  <a:schemeClr val="bg1"/>
+                </a:solidFill>
+              </a:rPr>
+              <a:t>(Selenium)</a:t>
+            </a:r>
+            <a:endParaRPr lang="en-US" sz="1200" i="1" dirty="0">
+              <a:solidFill>
+                <a:schemeClr val="bg1"/>
+              </a:solidFill>
+            </a:endParaRPr>
+          </a:p>
+        </p:txBody>
+      </p:sp>
     </p:spTree>
     <p:extLst>
       <p:ext uri="{BB962C8B-B14F-4D97-AF65-F5344CB8AC3E}">

--- a/STACK.pptx
+++ b/STACK.pptx
@@ -243,7 +243,7 @@
           <a:p>
             <a:fld id="{A8CC89F7-5179-8044-890D-4FB38D9853DE}" type="datetimeFigureOut">
               <a:rPr lang="en-US" smtClean="0"/>
-              <a:t>2/13/2018</a:t>
+              <a:t>2/15/18</a:t>
             </a:fld>
             <a:endParaRPr lang="en-US"/>
           </a:p>
@@ -413,7 +413,7 @@
           <a:p>
             <a:fld id="{A8CC89F7-5179-8044-890D-4FB38D9853DE}" type="datetimeFigureOut">
               <a:rPr lang="en-US" smtClean="0"/>
-              <a:t>2/13/2018</a:t>
+              <a:t>2/15/18</a:t>
             </a:fld>
             <a:endParaRPr lang="en-US"/>
           </a:p>
@@ -593,7 +593,7 @@
           <a:p>
             <a:fld id="{A8CC89F7-5179-8044-890D-4FB38D9853DE}" type="datetimeFigureOut">
               <a:rPr lang="en-US" smtClean="0"/>
-              <a:t>2/13/2018</a:t>
+              <a:t>2/15/18</a:t>
             </a:fld>
             <a:endParaRPr lang="en-US"/>
           </a:p>
@@ -763,7 +763,7 @@
           <a:p>
             <a:fld id="{A8CC89F7-5179-8044-890D-4FB38D9853DE}" type="datetimeFigureOut">
               <a:rPr lang="en-US" smtClean="0"/>
-              <a:t>2/13/2018</a:t>
+              <a:t>2/15/18</a:t>
             </a:fld>
             <a:endParaRPr lang="en-US"/>
           </a:p>
@@ -1009,7 +1009,7 @@
           <a:p>
             <a:fld id="{A8CC89F7-5179-8044-890D-4FB38D9853DE}" type="datetimeFigureOut">
               <a:rPr lang="en-US" smtClean="0"/>
-              <a:t>2/13/2018</a:t>
+              <a:t>2/15/18</a:t>
             </a:fld>
             <a:endParaRPr lang="en-US"/>
           </a:p>
@@ -1241,7 +1241,7 @@
           <a:p>
             <a:fld id="{A8CC89F7-5179-8044-890D-4FB38D9853DE}" type="datetimeFigureOut">
               <a:rPr lang="en-US" smtClean="0"/>
-              <a:t>2/13/2018</a:t>
+              <a:t>2/15/18</a:t>
             </a:fld>
             <a:endParaRPr lang="en-US"/>
           </a:p>
@@ -1608,7 +1608,7 @@
           <a:p>
             <a:fld id="{A8CC89F7-5179-8044-890D-4FB38D9853DE}" type="datetimeFigureOut">
               <a:rPr lang="en-US" smtClean="0"/>
-              <a:t>2/13/2018</a:t>
+              <a:t>2/15/18</a:t>
             </a:fld>
             <a:endParaRPr lang="en-US"/>
           </a:p>
@@ -1726,7 +1726,7 @@
           <a:p>
             <a:fld id="{A8CC89F7-5179-8044-890D-4FB38D9853DE}" type="datetimeFigureOut">
               <a:rPr lang="en-US" smtClean="0"/>
-              <a:t>2/13/2018</a:t>
+              <a:t>2/15/18</a:t>
             </a:fld>
             <a:endParaRPr lang="en-US"/>
           </a:p>
@@ -1821,7 +1821,7 @@
           <a:p>
             <a:fld id="{A8CC89F7-5179-8044-890D-4FB38D9853DE}" type="datetimeFigureOut">
               <a:rPr lang="en-US" smtClean="0"/>
-              <a:t>2/13/2018</a:t>
+              <a:t>2/15/18</a:t>
             </a:fld>
             <a:endParaRPr lang="en-US"/>
           </a:p>
@@ -2098,7 +2098,7 @@
           <a:p>
             <a:fld id="{A8CC89F7-5179-8044-890D-4FB38D9853DE}" type="datetimeFigureOut">
               <a:rPr lang="en-US" smtClean="0"/>
-              <a:t>2/13/2018</a:t>
+              <a:t>2/15/18</a:t>
             </a:fld>
             <a:endParaRPr lang="en-US"/>
           </a:p>
@@ -2351,7 +2351,7 @@
           <a:p>
             <a:fld id="{A8CC89F7-5179-8044-890D-4FB38D9853DE}" type="datetimeFigureOut">
               <a:rPr lang="en-US" smtClean="0"/>
-              <a:t>2/13/2018</a:t>
+              <a:t>2/15/18</a:t>
             </a:fld>
             <a:endParaRPr lang="en-US"/>
           </a:p>
@@ -2564,7 +2564,7 @@
           <a:p>
             <a:fld id="{A8CC89F7-5179-8044-890D-4FB38D9853DE}" type="datetimeFigureOut">
               <a:rPr lang="en-US" smtClean="0"/>
-              <a:t>2/13/2018</a:t>
+              <a:t>2/15/18</a:t>
             </a:fld>
             <a:endParaRPr lang="en-US"/>
           </a:p>
@@ -6036,9 +6036,9 @@
             <p:nvPr/>
           </p:nvSpPr>
           <p:spPr>
-            <a:xfrm rot="987155">
-              <a:off x="4057289" y="3577409"/>
-              <a:ext cx="1254392" cy="10942"/>
+            <a:xfrm rot="967549">
+              <a:off x="3954492" y="3414686"/>
+              <a:ext cx="2028675" cy="1268798"/>
             </a:xfrm>
             <a:custGeom>
               <a:avLst/>
@@ -7106,7 +7106,7 @@
         </p:nvCxnSpPr>
         <p:spPr>
           <a:xfrm flipV="1">
-            <a:off x="4753722" y="4498109"/>
+            <a:off x="4753722" y="4559753"/>
             <a:ext cx="0" cy="364837"/>
           </a:xfrm>
           <a:prstGeom prst="line">
@@ -7136,8 +7136,8 @@
         </p:nvCxnSpPr>
         <p:spPr>
           <a:xfrm flipV="1">
-            <a:off x="4753722" y="3906981"/>
-            <a:ext cx="0" cy="314037"/>
+            <a:off x="4753722" y="4019996"/>
+            <a:ext cx="0" cy="347083"/>
           </a:xfrm>
           <a:prstGeom prst="line">
             <a:avLst/>
@@ -7166,7 +7166,7 @@
         </p:nvCxnSpPr>
         <p:spPr>
           <a:xfrm flipV="1">
-            <a:off x="4753722" y="3288001"/>
+            <a:off x="4753722" y="3390741"/>
             <a:ext cx="0" cy="314037"/>
           </a:xfrm>
           <a:prstGeom prst="line">
@@ -7196,7 +7196,7 @@
         </p:nvCxnSpPr>
         <p:spPr>
           <a:xfrm flipV="1">
-            <a:off x="4753722" y="2715490"/>
+            <a:off x="4753722" y="2777134"/>
             <a:ext cx="0" cy="314037"/>
           </a:xfrm>
           <a:prstGeom prst="line">
@@ -7315,9 +7315,9 @@
           <p:nvPr/>
         </p:nvCxnSpPr>
         <p:spPr>
-          <a:xfrm flipV="1">
-            <a:off x="7492302" y="3428999"/>
-            <a:ext cx="0" cy="314037"/>
+          <a:xfrm flipH="1" flipV="1">
+            <a:off x="7492301" y="3390741"/>
+            <a:ext cx="1" cy="352296"/>
           </a:xfrm>
           <a:prstGeom prst="line">
             <a:avLst/>
@@ -7345,9 +7345,9 @@
           <p:nvPr/>
         </p:nvCxnSpPr>
         <p:spPr>
-          <a:xfrm flipV="1">
-            <a:off x="7501540" y="4063999"/>
-            <a:ext cx="0" cy="279400"/>
+          <a:xfrm flipH="1" flipV="1">
+            <a:off x="7492301" y="4041650"/>
+            <a:ext cx="9239" cy="301749"/>
           </a:xfrm>
           <a:prstGeom prst="line">
             <a:avLst/>
@@ -7376,8 +7376,8 @@
         </p:nvCxnSpPr>
         <p:spPr>
           <a:xfrm flipV="1">
-            <a:off x="7492301" y="4680527"/>
-            <a:ext cx="0" cy="314037"/>
+            <a:off x="7492301" y="4617632"/>
+            <a:ext cx="1" cy="376933"/>
           </a:xfrm>
           <a:prstGeom prst="line">
             <a:avLst/>
